--- a/Raport/AD_Prezentarea Data set.pptx
+++ b/Raport/AD_Prezentarea Data set.pptx
@@ -5,7 +5,7 @@
     <p:sldMasterId id="2147483845" r:id="rId1"/>
   </p:sldMasterIdLst>
   <p:notesMasterIdLst>
-    <p:notesMasterId r:id="rId15"/>
+    <p:notesMasterId r:id="rId16"/>
   </p:notesMasterIdLst>
   <p:sldIdLst>
     <p:sldId id="256" r:id="rId2"/>
@@ -21,6 +21,7 @@
     <p:sldId id="267" r:id="rId12"/>
     <p:sldId id="268" r:id="rId13"/>
     <p:sldId id="269" r:id="rId14"/>
+    <p:sldId id="270" r:id="rId15"/>
   </p:sldIdLst>
   <p:sldSz cx="12192000" cy="6858000"/>
   <p:notesSz cx="6858000" cy="9144000"/>
@@ -7024,6 +7025,868 @@
     <p:extLst>
       <p:ext uri="{BB962C8B-B14F-4D97-AF65-F5344CB8AC3E}">
         <p14:creationId xmlns:p14="http://schemas.microsoft.com/office/powerpoint/2010/main" val="2835855780"/>
+      </p:ext>
+    </p:extLst>
+  </p:cSld>
+  <p:clrMapOvr>
+    <a:masterClrMapping/>
+  </p:clrMapOvr>
+</p:sld>
+</file>
+
+<file path=ppt/slides/slide14.xml><?xml version="1.0" encoding="utf-8"?>
+<p:sld xmlns:a="http://schemas.openxmlformats.org/drawingml/2006/main" xmlns:r="http://schemas.openxmlformats.org/officeDocument/2006/relationships" xmlns:p="http://schemas.openxmlformats.org/presentationml/2006/main">
+  <p:cSld>
+    <p:spTree>
+      <p:nvGrpSpPr>
+        <p:cNvPr id="1" name=""/>
+        <p:cNvGrpSpPr/>
+        <p:nvPr/>
+      </p:nvGrpSpPr>
+      <p:grpSpPr>
+        <a:xfrm>
+          <a:off x="0" y="0"/>
+          <a:ext cx="0" cy="0"/>
+          <a:chOff x="0" y="0"/>
+          <a:chExt cx="0" cy="0"/>
+        </a:xfrm>
+      </p:grpSpPr>
+      <p:sp>
+        <p:nvSpPr>
+          <p:cNvPr id="2" name="Заголовок 1">
+            <a:extLst>
+              <a:ext uri="{FF2B5EF4-FFF2-40B4-BE49-F238E27FC236}">
+                <a16:creationId xmlns:a16="http://schemas.microsoft.com/office/drawing/2014/main" id="{C97509EA-799D-96AD-B386-74EAA66522E1}"/>
+              </a:ext>
+            </a:extLst>
+          </p:cNvPr>
+          <p:cNvSpPr>
+            <a:spLocks noGrp="1"/>
+          </p:cNvSpPr>
+          <p:nvPr>
+            <p:ph type="title"/>
+          </p:nvPr>
+        </p:nvSpPr>
+        <p:spPr>
+          <a:xfrm>
+            <a:off x="685801" y="609600"/>
+            <a:ext cx="4152899" cy="1456267"/>
+          </a:xfrm>
+        </p:spPr>
+        <p:txBody>
+          <a:bodyPr/>
+          <a:lstStyle/>
+          <a:p>
+            <a:r>
+              <a:rPr lang="en-US" dirty="0"/>
+              <a:t>Accuracy: 0.805574912891986</a:t>
+            </a:r>
+          </a:p>
+        </p:txBody>
+      </p:sp>
+      <p:graphicFrame>
+        <p:nvGraphicFramePr>
+          <p:cNvPr id="4" name="Объект 3">
+            <a:extLst>
+              <a:ext uri="{FF2B5EF4-FFF2-40B4-BE49-F238E27FC236}">
+                <a16:creationId xmlns:a16="http://schemas.microsoft.com/office/drawing/2014/main" id="{0C924EC4-8C6F-6852-F8F5-CBEF7692B3BB}"/>
+              </a:ext>
+            </a:extLst>
+          </p:cNvPr>
+          <p:cNvGraphicFramePr>
+            <a:graphicFrameLocks noGrp="1"/>
+          </p:cNvGraphicFramePr>
+          <p:nvPr>
+            <p:ph idx="1"/>
+            <p:extLst>
+              <p:ext uri="{D42A27DB-BD31-4B8C-83A1-F6EECF244321}">
+                <p14:modId xmlns:p14="http://schemas.microsoft.com/office/powerpoint/2010/main" val="3480977930"/>
+              </p:ext>
+            </p:extLst>
+          </p:nvPr>
+        </p:nvGraphicFramePr>
+        <p:xfrm>
+          <a:off x="5438776" y="609600"/>
+          <a:ext cx="6391274" cy="5867401"/>
+        </p:xfrm>
+        <a:graphic>
+          <a:graphicData uri="http://schemas.openxmlformats.org/drawingml/2006/table">
+            <a:tbl>
+              <a:tblPr firstRow="1" firstCol="1" bandRow="1">
+                <a:tableStyleId>{5C22544A-7EE6-4342-B048-85BDC9FD1C3A}</a:tableStyleId>
+              </a:tblPr>
+              <a:tblGrid>
+                <a:gridCol w="1785728">
+                  <a:extLst>
+                    <a:ext uri="{9D8B030D-6E8A-4147-A177-3AD203B41FA5}">
+                      <a16:colId xmlns:a16="http://schemas.microsoft.com/office/drawing/2014/main" val="4266602879"/>
+                    </a:ext>
+                  </a:extLst>
+                </a:gridCol>
+                <a:gridCol w="1561248">
+                  <a:extLst>
+                    <a:ext uri="{9D8B030D-6E8A-4147-A177-3AD203B41FA5}">
+                      <a16:colId xmlns:a16="http://schemas.microsoft.com/office/drawing/2014/main" val="3176589942"/>
+                    </a:ext>
+                  </a:extLst>
+                </a:gridCol>
+                <a:gridCol w="1642141">
+                  <a:extLst>
+                    <a:ext uri="{9D8B030D-6E8A-4147-A177-3AD203B41FA5}">
+                      <a16:colId xmlns:a16="http://schemas.microsoft.com/office/drawing/2014/main" val="3652387103"/>
+                    </a:ext>
+                  </a:extLst>
+                </a:gridCol>
+                <a:gridCol w="1402157">
+                  <a:extLst>
+                    <a:ext uri="{9D8B030D-6E8A-4147-A177-3AD203B41FA5}">
+                      <a16:colId xmlns:a16="http://schemas.microsoft.com/office/drawing/2014/main" val="3507904855"/>
+                    </a:ext>
+                  </a:extLst>
+                </a:gridCol>
+              </a:tblGrid>
+              <a:tr h="221175">
+                <a:tc>
+                  <a:txBody>
+                    <a:bodyPr/>
+                    <a:lstStyle/>
+                    <a:p>
+                      <a:pPr algn="just">
+                        <a:lnSpc>
+                          <a:spcPct val="150000"/>
+                        </a:lnSpc>
+                        <a:spcAft>
+                          <a:spcPts val="800"/>
+                        </a:spcAft>
+                      </a:pPr>
+                      <a:r>
+                        <a:rPr lang="ro-MD" sz="600">
+                          <a:effectLst/>
+                        </a:rPr>
+                        <a:t> </a:t>
+                      </a:r>
+                      <a:endParaRPr lang="en-US" sz="600">
+                        <a:solidFill>
+                          <a:srgbClr val="000000"/>
+                        </a:solidFill>
+                        <a:effectLst/>
+                        <a:latin typeface="Times New Roman" panose="02020603050405020304" pitchFamily="18" charset="0"/>
+                        <a:ea typeface="Calibri" panose="020F0502020204030204" pitchFamily="34" charset="0"/>
+                      </a:endParaRPr>
+                    </a:p>
+                  </a:txBody>
+                  <a:tcPr marL="35461" marR="35461" marT="0" marB="0"/>
+                </a:tc>
+                <a:tc>
+                  <a:txBody>
+                    <a:bodyPr/>
+                    <a:lstStyle/>
+                    <a:p>
+                      <a:pPr algn="ctr">
+                        <a:lnSpc>
+                          <a:spcPct val="150000"/>
+                        </a:lnSpc>
+                        <a:spcAft>
+                          <a:spcPts val="800"/>
+                        </a:spcAft>
+                      </a:pPr>
+                      <a:r>
+                        <a:rPr lang="ro-MD" sz="600">
+                          <a:effectLst/>
+                        </a:rPr>
+                        <a:t>MSE</a:t>
+                      </a:r>
+                      <a:endParaRPr lang="en-US" sz="600">
+                        <a:solidFill>
+                          <a:srgbClr val="000000"/>
+                        </a:solidFill>
+                        <a:effectLst/>
+                        <a:latin typeface="Times New Roman" panose="02020603050405020304" pitchFamily="18" charset="0"/>
+                        <a:ea typeface="Calibri" panose="020F0502020204030204" pitchFamily="34" charset="0"/>
+                      </a:endParaRPr>
+                    </a:p>
+                  </a:txBody>
+                  <a:tcPr marL="35461" marR="35461" marT="0" marB="0"/>
+                </a:tc>
+                <a:tc>
+                  <a:txBody>
+                    <a:bodyPr/>
+                    <a:lstStyle/>
+                    <a:p>
+                      <a:pPr algn="ctr">
+                        <a:lnSpc>
+                          <a:spcPct val="150000"/>
+                        </a:lnSpc>
+                        <a:spcAft>
+                          <a:spcPts val="800"/>
+                        </a:spcAft>
+                      </a:pPr>
+                      <a:r>
+                        <a:rPr lang="ro-MD" sz="600">
+                          <a:effectLst/>
+                        </a:rPr>
+                        <a:t>R^2</a:t>
+                      </a:r>
+                      <a:endParaRPr lang="en-US" sz="600">
+                        <a:solidFill>
+                          <a:srgbClr val="000000"/>
+                        </a:solidFill>
+                        <a:effectLst/>
+                        <a:latin typeface="Times New Roman" panose="02020603050405020304" pitchFamily="18" charset="0"/>
+                        <a:ea typeface="Calibri" panose="020F0502020204030204" pitchFamily="34" charset="0"/>
+                      </a:endParaRPr>
+                    </a:p>
+                  </a:txBody>
+                  <a:tcPr marL="35461" marR="35461" marT="0" marB="0"/>
+                </a:tc>
+                <a:tc>
+                  <a:txBody>
+                    <a:bodyPr/>
+                    <a:lstStyle/>
+                    <a:p>
+                      <a:pPr algn="ctr">
+                        <a:lnSpc>
+                          <a:spcPct val="150000"/>
+                        </a:lnSpc>
+                        <a:spcAft>
+                          <a:spcPts val="800"/>
+                        </a:spcAft>
+                      </a:pPr>
+                      <a:r>
+                        <a:rPr lang="ro-MD" sz="600">
+                          <a:effectLst/>
+                        </a:rPr>
+                        <a:t> </a:t>
+                      </a:r>
+                      <a:endParaRPr lang="en-US" sz="600">
+                        <a:solidFill>
+                          <a:srgbClr val="000000"/>
+                        </a:solidFill>
+                        <a:effectLst/>
+                        <a:latin typeface="Times New Roman" panose="02020603050405020304" pitchFamily="18" charset="0"/>
+                        <a:ea typeface="Calibri" panose="020F0502020204030204" pitchFamily="34" charset="0"/>
+                      </a:endParaRPr>
+                    </a:p>
+                  </a:txBody>
+                  <a:tcPr marL="35461" marR="35461" marT="0" marB="0"/>
+                </a:tc>
+                <a:extLst>
+                  <a:ext uri="{0D108BD9-81ED-4DB2-BD59-A6C34878D82A}">
+                    <a16:rowId xmlns:a16="http://schemas.microsoft.com/office/drawing/2014/main" val="3433417645"/>
+                  </a:ext>
+                </a:extLst>
+              </a:tr>
+              <a:tr h="428730">
+                <a:tc>
+                  <a:txBody>
+                    <a:bodyPr/>
+                    <a:lstStyle/>
+                    <a:p>
+                      <a:pPr algn="just">
+                        <a:lnSpc>
+                          <a:spcPct val="150000"/>
+                        </a:lnSpc>
+                        <a:spcAft>
+                          <a:spcPts val="800"/>
+                        </a:spcAft>
+                        <a:tabLst>
+                          <a:tab pos="581025" algn="l"/>
+                        </a:tabLst>
+                      </a:pPr>
+                      <a:r>
+                        <a:rPr lang="ro-MD" sz="600">
+                          <a:effectLst/>
+                        </a:rPr>
+                        <a:t>Regresia liniară Metascore</a:t>
+                      </a:r>
+                      <a:endParaRPr lang="en-US" sz="600">
+                        <a:solidFill>
+                          <a:srgbClr val="000000"/>
+                        </a:solidFill>
+                        <a:effectLst/>
+                        <a:latin typeface="Times New Roman" panose="02020603050405020304" pitchFamily="18" charset="0"/>
+                        <a:ea typeface="Calibri" panose="020F0502020204030204" pitchFamily="34" charset="0"/>
+                      </a:endParaRPr>
+                    </a:p>
+                  </a:txBody>
+                  <a:tcPr marL="35461" marR="35461" marT="0" marB="0"/>
+                </a:tc>
+                <a:tc>
+                  <a:txBody>
+                    <a:bodyPr/>
+                    <a:lstStyle/>
+                    <a:p>
+                      <a:pPr algn="just">
+                        <a:lnSpc>
+                          <a:spcPct val="150000"/>
+                        </a:lnSpc>
+                        <a:spcAft>
+                          <a:spcPts val="800"/>
+                        </a:spcAft>
+                      </a:pPr>
+                      <a:r>
+                        <a:rPr lang="ro-MD" sz="600">
+                          <a:effectLst/>
+                        </a:rPr>
+                        <a:t>149.70511373420692</a:t>
+                      </a:r>
+                      <a:endParaRPr lang="en-US" sz="600">
+                        <a:solidFill>
+                          <a:srgbClr val="000000"/>
+                        </a:solidFill>
+                        <a:effectLst/>
+                        <a:latin typeface="Times New Roman" panose="02020603050405020304" pitchFamily="18" charset="0"/>
+                        <a:ea typeface="Calibri" panose="020F0502020204030204" pitchFamily="34" charset="0"/>
+                      </a:endParaRPr>
+                    </a:p>
+                  </a:txBody>
+                  <a:tcPr marL="35461" marR="35461" marT="0" marB="0"/>
+                </a:tc>
+                <a:tc>
+                  <a:txBody>
+                    <a:bodyPr/>
+                    <a:lstStyle/>
+                    <a:p>
+                      <a:pPr algn="ctr">
+                        <a:lnSpc>
+                          <a:spcPct val="150000"/>
+                        </a:lnSpc>
+                        <a:spcAft>
+                          <a:spcPts val="800"/>
+                        </a:spcAft>
+                      </a:pPr>
+                      <a:r>
+                        <a:rPr lang="ro-MD" sz="600">
+                          <a:effectLst/>
+                        </a:rPr>
+                        <a:t>0.5007831093926833</a:t>
+                      </a:r>
+                      <a:endParaRPr lang="en-US" sz="600">
+                        <a:solidFill>
+                          <a:srgbClr val="000000"/>
+                        </a:solidFill>
+                        <a:effectLst/>
+                        <a:latin typeface="Times New Roman" panose="02020603050405020304" pitchFamily="18" charset="0"/>
+                        <a:ea typeface="Calibri" panose="020F0502020204030204" pitchFamily="34" charset="0"/>
+                      </a:endParaRPr>
+                    </a:p>
+                  </a:txBody>
+                  <a:tcPr marL="35461" marR="35461" marT="0" marB="0"/>
+                </a:tc>
+                <a:tc rowSpan="2">
+                  <a:txBody>
+                    <a:bodyPr/>
+                    <a:lstStyle/>
+                    <a:p>
+                      <a:pPr>
+                        <a:lnSpc>
+                          <a:spcPct val="150000"/>
+                        </a:lnSpc>
+                        <a:spcAft>
+                          <a:spcPts val="800"/>
+                        </a:spcAft>
+                      </a:pPr>
+                      <a:r>
+                        <a:rPr lang="ro-MD" sz="600">
+                          <a:effectLst/>
+                        </a:rPr>
+                        <a:t>Modelul de regresie KNN are performanțe puțin mai bune cu o eroare pătratică medie mai mică și o valoare R^2 mai mare. Deci, modelul de regresie KNN va fi utilizat pentru a imputa valorile Metascore.</a:t>
+                      </a:r>
+                      <a:endParaRPr lang="en-US" sz="600">
+                        <a:solidFill>
+                          <a:srgbClr val="000000"/>
+                        </a:solidFill>
+                        <a:effectLst/>
+                        <a:latin typeface="Times New Roman" panose="02020603050405020304" pitchFamily="18" charset="0"/>
+                        <a:ea typeface="Calibri" panose="020F0502020204030204" pitchFamily="34" charset="0"/>
+                      </a:endParaRPr>
+                    </a:p>
+                  </a:txBody>
+                  <a:tcPr marL="35461" marR="35461" marT="0" marB="0"/>
+                </a:tc>
+                <a:extLst>
+                  <a:ext uri="{0D108BD9-81ED-4DB2-BD59-A6C34878D82A}">
+                    <a16:rowId xmlns:a16="http://schemas.microsoft.com/office/drawing/2014/main" val="658531841"/>
+                  </a:ext>
+                </a:extLst>
+              </a:tr>
+              <a:tr h="2508401">
+                <a:tc>
+                  <a:txBody>
+                    <a:bodyPr/>
+                    <a:lstStyle/>
+                    <a:p>
+                      <a:pPr algn="just">
+                        <a:lnSpc>
+                          <a:spcPct val="150000"/>
+                        </a:lnSpc>
+                        <a:spcAft>
+                          <a:spcPts val="800"/>
+                        </a:spcAft>
+                      </a:pPr>
+                      <a:r>
+                        <a:rPr lang="ro-MD" sz="600">
+                          <a:effectLst/>
+                        </a:rPr>
+                        <a:t>Metascore K-Cei mai apropiați vecini</a:t>
+                      </a:r>
+                      <a:endParaRPr lang="en-US" sz="600">
+                        <a:solidFill>
+                          <a:srgbClr val="000000"/>
+                        </a:solidFill>
+                        <a:effectLst/>
+                        <a:latin typeface="Times New Roman" panose="02020603050405020304" pitchFamily="18" charset="0"/>
+                        <a:ea typeface="Calibri" panose="020F0502020204030204" pitchFamily="34" charset="0"/>
+                      </a:endParaRPr>
+                    </a:p>
+                  </a:txBody>
+                  <a:tcPr marL="35461" marR="35461" marT="0" marB="0"/>
+                </a:tc>
+                <a:tc>
+                  <a:txBody>
+                    <a:bodyPr/>
+                    <a:lstStyle/>
+                    <a:p>
+                      <a:pPr algn="just">
+                        <a:lnSpc>
+                          <a:spcPct val="150000"/>
+                        </a:lnSpc>
+                        <a:spcAft>
+                          <a:spcPts val="800"/>
+                        </a:spcAft>
+                        <a:tabLst>
+                          <a:tab pos="571500" algn="l"/>
+                        </a:tabLst>
+                      </a:pPr>
+                      <a:r>
+                        <a:rPr lang="ro-MD" sz="600" dirty="0">
+                          <a:effectLst/>
+                        </a:rPr>
+                        <a:t>150.47799022573147</a:t>
+                      </a:r>
+                      <a:endParaRPr lang="en-US" sz="600" dirty="0">
+                        <a:solidFill>
+                          <a:srgbClr val="000000"/>
+                        </a:solidFill>
+                        <a:effectLst/>
+                        <a:latin typeface="Times New Roman" panose="02020603050405020304" pitchFamily="18" charset="0"/>
+                        <a:ea typeface="Calibri" panose="020F0502020204030204" pitchFamily="34" charset="0"/>
+                      </a:endParaRPr>
+                    </a:p>
+                  </a:txBody>
+                  <a:tcPr marL="35461" marR="35461" marT="0" marB="0"/>
+                </a:tc>
+                <a:tc>
+                  <a:txBody>
+                    <a:bodyPr/>
+                    <a:lstStyle/>
+                    <a:p>
+                      <a:pPr algn="ctr">
+                        <a:lnSpc>
+                          <a:spcPct val="150000"/>
+                        </a:lnSpc>
+                        <a:spcAft>
+                          <a:spcPts val="800"/>
+                        </a:spcAft>
+                      </a:pPr>
+                      <a:r>
+                        <a:rPr lang="ro-MD" sz="600" dirty="0">
+                          <a:effectLst/>
+                        </a:rPr>
+                        <a:t>0.4982058226901902</a:t>
+                      </a:r>
+                      <a:endParaRPr lang="en-US" sz="600" dirty="0">
+                        <a:solidFill>
+                          <a:srgbClr val="000000"/>
+                        </a:solidFill>
+                        <a:effectLst/>
+                        <a:latin typeface="Times New Roman" panose="02020603050405020304" pitchFamily="18" charset="0"/>
+                        <a:ea typeface="Calibri" panose="020F0502020204030204" pitchFamily="34" charset="0"/>
+                      </a:endParaRPr>
+                    </a:p>
+                  </a:txBody>
+                  <a:tcPr marL="35461" marR="35461" marT="0" marB="0"/>
+                </a:tc>
+                <a:tc vMerge="1">
+                  <a:txBody>
+                    <a:bodyPr/>
+                    <a:lstStyle/>
+                    <a:p>
+                      <a:endParaRPr lang="en-US"/>
+                    </a:p>
+                  </a:txBody>
+                  <a:tcPr/>
+                </a:tc>
+                <a:extLst>
+                  <a:ext uri="{0D108BD9-81ED-4DB2-BD59-A6C34878D82A}">
+                    <a16:rowId xmlns:a16="http://schemas.microsoft.com/office/drawing/2014/main" val="581616764"/>
+                  </a:ext>
+                </a:extLst>
+              </a:tr>
+              <a:tr h="428730">
+                <a:tc>
+                  <a:txBody>
+                    <a:bodyPr/>
+                    <a:lstStyle/>
+                    <a:p>
+                      <a:pPr algn="just">
+                        <a:lnSpc>
+                          <a:spcPct val="150000"/>
+                        </a:lnSpc>
+                        <a:spcAft>
+                          <a:spcPts val="800"/>
+                        </a:spcAft>
+                      </a:pPr>
+                      <a:r>
+                        <a:rPr lang="ro-MD" sz="600">
+                          <a:effectLst/>
+                        </a:rPr>
+                        <a:t>Regresia liniară a veniturilor brute</a:t>
+                      </a:r>
+                      <a:endParaRPr lang="en-US" sz="600">
+                        <a:solidFill>
+                          <a:srgbClr val="000000"/>
+                        </a:solidFill>
+                        <a:effectLst/>
+                        <a:latin typeface="Times New Roman" panose="02020603050405020304" pitchFamily="18" charset="0"/>
+                        <a:ea typeface="Calibri" panose="020F0502020204030204" pitchFamily="34" charset="0"/>
+                      </a:endParaRPr>
+                    </a:p>
+                  </a:txBody>
+                  <a:tcPr marL="35461" marR="35461" marT="0" marB="0"/>
+                </a:tc>
+                <a:tc>
+                  <a:txBody>
+                    <a:bodyPr/>
+                    <a:lstStyle/>
+                    <a:p>
+                      <a:pPr algn="just">
+                        <a:lnSpc>
+                          <a:spcPct val="150000"/>
+                        </a:lnSpc>
+                        <a:spcAft>
+                          <a:spcPts val="800"/>
+                        </a:spcAft>
+                      </a:pPr>
+                      <a:r>
+                        <a:rPr lang="ro-MD" sz="600">
+                          <a:effectLst/>
+                        </a:rPr>
+                        <a:t>3023.9001045960417</a:t>
+                      </a:r>
+                      <a:endParaRPr lang="en-US" sz="600">
+                        <a:solidFill>
+                          <a:srgbClr val="000000"/>
+                        </a:solidFill>
+                        <a:effectLst/>
+                        <a:latin typeface="Times New Roman" panose="02020603050405020304" pitchFamily="18" charset="0"/>
+                        <a:ea typeface="Calibri" panose="020F0502020204030204" pitchFamily="34" charset="0"/>
+                      </a:endParaRPr>
+                    </a:p>
+                  </a:txBody>
+                  <a:tcPr marL="35461" marR="35461" marT="0" marB="0"/>
+                </a:tc>
+                <a:tc>
+                  <a:txBody>
+                    <a:bodyPr/>
+                    <a:lstStyle/>
+                    <a:p>
+                      <a:pPr algn="ctr">
+                        <a:lnSpc>
+                          <a:spcPct val="150000"/>
+                        </a:lnSpc>
+                        <a:spcAft>
+                          <a:spcPts val="800"/>
+                        </a:spcAft>
+                        <a:tabLst>
+                          <a:tab pos="600075" algn="l"/>
+                        </a:tabLst>
+                      </a:pPr>
+                      <a:r>
+                        <a:rPr lang="ro-MD" sz="600">
+                          <a:effectLst/>
+                        </a:rPr>
+                        <a:t>0.30846952959416596</a:t>
+                      </a:r>
+                      <a:endParaRPr lang="en-US" sz="600">
+                        <a:solidFill>
+                          <a:srgbClr val="000000"/>
+                        </a:solidFill>
+                        <a:effectLst/>
+                        <a:latin typeface="Times New Roman" panose="02020603050405020304" pitchFamily="18" charset="0"/>
+                        <a:ea typeface="Calibri" panose="020F0502020204030204" pitchFamily="34" charset="0"/>
+                      </a:endParaRPr>
+                    </a:p>
+                  </a:txBody>
+                  <a:tcPr marL="35461" marR="35461" marT="0" marB="0"/>
+                </a:tc>
+                <a:tc rowSpan="2">
+                  <a:txBody>
+                    <a:bodyPr/>
+                    <a:lstStyle/>
+                    <a:p>
+                      <a:pPr>
+                        <a:lnSpc>
+                          <a:spcPct val="150000"/>
+                        </a:lnSpc>
+                        <a:spcAft>
+                          <a:spcPts val="800"/>
+                        </a:spcAft>
+                        <a:tabLst>
+                          <a:tab pos="600075" algn="l"/>
+                        </a:tabLst>
+                      </a:pPr>
+                      <a:r>
+                        <a:rPr lang="ro-MD" sz="600" dirty="0">
+                          <a:effectLst/>
+                        </a:rPr>
+                        <a:t>Din nou, modelul de regresie KNN depășește modelul de regresie liniară cu un MSE mai mic și R^2 mai mare. Deci, modelul de regresie KNN va fi folosit și pentru a imputa valoarea câștigului brut.</a:t>
+                      </a:r>
+                      <a:endParaRPr lang="en-US" sz="600" dirty="0">
+                        <a:solidFill>
+                          <a:srgbClr val="000000"/>
+                        </a:solidFill>
+                        <a:effectLst/>
+                        <a:latin typeface="Times New Roman" panose="02020603050405020304" pitchFamily="18" charset="0"/>
+                        <a:ea typeface="Calibri" panose="020F0502020204030204" pitchFamily="34" charset="0"/>
+                      </a:endParaRPr>
+                    </a:p>
+                  </a:txBody>
+                  <a:tcPr marL="35461" marR="35461" marT="0" marB="0"/>
+                </a:tc>
+                <a:extLst>
+                  <a:ext uri="{0D108BD9-81ED-4DB2-BD59-A6C34878D82A}">
+                    <a16:rowId xmlns:a16="http://schemas.microsoft.com/office/drawing/2014/main" val="388878230"/>
+                  </a:ext>
+                </a:extLst>
+              </a:tr>
+              <a:tr h="2280365">
+                <a:tc>
+                  <a:txBody>
+                    <a:bodyPr/>
+                    <a:lstStyle/>
+                    <a:p>
+                      <a:pPr algn="ctr">
+                        <a:lnSpc>
+                          <a:spcPct val="150000"/>
+                        </a:lnSpc>
+                        <a:spcAft>
+                          <a:spcPts val="800"/>
+                        </a:spcAft>
+                      </a:pPr>
+                      <a:r>
+                        <a:rPr lang="ro-MD" sz="600">
+                          <a:effectLst/>
+                        </a:rPr>
+                        <a:t>Câștiguri brute K-Cei mai apropiați vecini</a:t>
+                      </a:r>
+                      <a:endParaRPr lang="en-US" sz="600">
+                        <a:solidFill>
+                          <a:srgbClr val="000000"/>
+                        </a:solidFill>
+                        <a:effectLst/>
+                        <a:latin typeface="Times New Roman" panose="02020603050405020304" pitchFamily="18" charset="0"/>
+                        <a:ea typeface="Calibri" panose="020F0502020204030204" pitchFamily="34" charset="0"/>
+                      </a:endParaRPr>
+                    </a:p>
+                  </a:txBody>
+                  <a:tcPr marL="35461" marR="35461" marT="0" marB="0"/>
+                </a:tc>
+                <a:tc>
+                  <a:txBody>
+                    <a:bodyPr/>
+                    <a:lstStyle/>
+                    <a:p>
+                      <a:pPr algn="just">
+                        <a:lnSpc>
+                          <a:spcPct val="150000"/>
+                        </a:lnSpc>
+                        <a:spcAft>
+                          <a:spcPts val="800"/>
+                        </a:spcAft>
+                      </a:pPr>
+                      <a:r>
+                        <a:rPr lang="ro-MD" sz="600">
+                          <a:effectLst/>
+                        </a:rPr>
+                        <a:t>2658.022211867578</a:t>
+                      </a:r>
+                      <a:endParaRPr lang="en-US" sz="600">
+                        <a:solidFill>
+                          <a:srgbClr val="000000"/>
+                        </a:solidFill>
+                        <a:effectLst/>
+                        <a:latin typeface="Times New Roman" panose="02020603050405020304" pitchFamily="18" charset="0"/>
+                        <a:ea typeface="Calibri" panose="020F0502020204030204" pitchFamily="34" charset="0"/>
+                      </a:endParaRPr>
+                    </a:p>
+                  </a:txBody>
+                  <a:tcPr marL="35461" marR="35461" marT="0" marB="0"/>
+                </a:tc>
+                <a:tc>
+                  <a:txBody>
+                    <a:bodyPr/>
+                    <a:lstStyle/>
+                    <a:p>
+                      <a:pPr algn="ctr">
+                        <a:lnSpc>
+                          <a:spcPct val="150000"/>
+                        </a:lnSpc>
+                        <a:spcAft>
+                          <a:spcPts val="800"/>
+                        </a:spcAft>
+                      </a:pPr>
+                      <a:r>
+                        <a:rPr lang="ro-MD" sz="600" dirty="0">
+                          <a:effectLst/>
+                        </a:rPr>
+                        <a:t>0.3921415103203314</a:t>
+                      </a:r>
+                      <a:endParaRPr lang="en-US" sz="600" dirty="0">
+                        <a:solidFill>
+                          <a:srgbClr val="000000"/>
+                        </a:solidFill>
+                        <a:effectLst/>
+                        <a:latin typeface="Times New Roman" panose="02020603050405020304" pitchFamily="18" charset="0"/>
+                        <a:ea typeface="Calibri" panose="020F0502020204030204" pitchFamily="34" charset="0"/>
+                      </a:endParaRPr>
+                    </a:p>
+                  </a:txBody>
+                  <a:tcPr marL="35461" marR="35461" marT="0" marB="0"/>
+                </a:tc>
+                <a:tc vMerge="1">
+                  <a:txBody>
+                    <a:bodyPr/>
+                    <a:lstStyle/>
+                    <a:p>
+                      <a:endParaRPr lang="en-US"/>
+                    </a:p>
+                  </a:txBody>
+                  <a:tcPr/>
+                </a:tc>
+                <a:extLst>
+                  <a:ext uri="{0D108BD9-81ED-4DB2-BD59-A6C34878D82A}">
+                    <a16:rowId xmlns:a16="http://schemas.microsoft.com/office/drawing/2014/main" val="1512567966"/>
+                  </a:ext>
+                </a:extLst>
+              </a:tr>
+            </a:tbl>
+          </a:graphicData>
+        </a:graphic>
+      </p:graphicFrame>
+      <p:sp>
+        <p:nvSpPr>
+          <p:cNvPr id="5" name="Rectangle 1">
+            <a:extLst>
+              <a:ext uri="{FF2B5EF4-FFF2-40B4-BE49-F238E27FC236}">
+                <a16:creationId xmlns:a16="http://schemas.microsoft.com/office/drawing/2014/main" id="{3357C963-5086-1D7E-1619-7325C893306F}"/>
+              </a:ext>
+            </a:extLst>
+          </p:cNvPr>
+          <p:cNvSpPr>
+            <a:spLocks noChangeArrowheads="1"/>
+          </p:cNvSpPr>
+          <p:nvPr/>
+        </p:nvSpPr>
+        <p:spPr bwMode="auto">
+          <a:xfrm>
+            <a:off x="-4541450" y="91516"/>
+            <a:ext cx="25031147" cy="276999"/>
+          </a:xfrm>
+          <a:prstGeom prst="rect">
+            <a:avLst/>
+          </a:prstGeom>
+          <a:noFill/>
+          <a:ln>
+            <a:noFill/>
+          </a:ln>
+          <a:effectLst/>
+          <a:extLst>
+            <a:ext uri="{909E8E84-426E-40DD-AFC4-6F175D3DCCD1}">
+              <a14:hiddenFill xmlns:a14="http://schemas.microsoft.com/office/drawing/2010/main">
+                <a:solidFill>
+                  <a:schemeClr val="accent1"/>
+                </a:solidFill>
+              </a14:hiddenFill>
+            </a:ext>
+            <a:ext uri="{91240B29-F687-4F45-9708-019B960494DF}">
+              <a14:hiddenLine xmlns:a14="http://schemas.microsoft.com/office/drawing/2010/main" w="9525">
+                <a:solidFill>
+                  <a:schemeClr val="tx1"/>
+                </a:solidFill>
+                <a:miter lim="800000"/>
+                <a:headEnd/>
+                <a:tailEnd/>
+              </a14:hiddenLine>
+            </a:ext>
+            <a:ext uri="{AF507438-7753-43E0-B8FC-AC1667EBCBE1}">
+              <a14:hiddenEffects xmlns:a14="http://schemas.microsoft.com/office/drawing/2010/main">
+                <a:effectLst>
+                  <a:outerShdw dist="35921" dir="2700000" algn="ctr" rotWithShape="0">
+                    <a:schemeClr val="bg2"/>
+                  </a:outerShdw>
+                </a:effectLst>
+              </a14:hiddenEffects>
+            </a:ext>
+          </a:extLst>
+        </p:spPr>
+        <p:txBody>
+          <a:bodyPr vert="horz" wrap="square" lIns="91440" tIns="45720" rIns="91440" bIns="45720" numCol="1" anchor="ctr" anchorCtr="0" compatLnSpc="1">
+            <a:prstTxWarp prst="textNoShape">
+              <a:avLst/>
+            </a:prstTxWarp>
+            <a:spAutoFit/>
+          </a:bodyPr>
+          <a:lstStyle/>
+          <a:p>
+            <a:pPr marL="0" marR="0" lvl="0" indent="0" algn="just" defTabSz="914400" rtl="0" eaLnBrk="0" fontAlgn="base" latinLnBrk="0" hangingPunct="0">
+              <a:lnSpc>
+                <a:spcPct val="100000"/>
+              </a:lnSpc>
+              <a:spcBef>
+                <a:spcPct val="0"/>
+              </a:spcBef>
+              <a:spcAft>
+                <a:spcPct val="0"/>
+              </a:spcAft>
+              <a:buClrTx/>
+              <a:buSzTx/>
+              <a:buFontTx/>
+              <a:buNone/>
+              <a:tabLst/>
+            </a:pPr>
+            <a:r>
+              <a:rPr kumimoji="0" lang="ro-RO" altLang="en-US" sz="1200" b="0" i="0" u="none" strike="noStrike" cap="none" normalizeH="0" baseline="0">
+                <a:ln>
+                  <a:noFill/>
+                </a:ln>
+                <a:solidFill>
+                  <a:srgbClr val="000000"/>
+                </a:solidFill>
+                <a:effectLst/>
+                <a:latin typeface="Times New Roman" panose="02020603050405020304" pitchFamily="18" charset="0"/>
+                <a:ea typeface="Calibri" panose="020F0502020204030204" pitchFamily="34" charset="0"/>
+                <a:cs typeface="Times New Roman" panose="02020603050405020304" pitchFamily="18" charset="0"/>
+              </a:rPr>
+              <a:t>Accuracy: 0.805574912891986</a:t>
+            </a:r>
+            <a:endParaRPr kumimoji="0" lang="ro-RO" altLang="en-US" sz="1800" b="0" i="0" u="none" strike="noStrike" cap="none" normalizeH="0" baseline="0">
+              <a:ln>
+                <a:noFill/>
+              </a:ln>
+              <a:solidFill>
+                <a:schemeClr val="tx1"/>
+              </a:solidFill>
+              <a:effectLst/>
+              <a:latin typeface="Arial" panose="020B0604020202020204" pitchFamily="34" charset="0"/>
+            </a:endParaRPr>
+          </a:p>
+        </p:txBody>
+      </p:sp>
+    </p:spTree>
+    <p:extLst>
+      <p:ext uri="{BB962C8B-B14F-4D97-AF65-F5344CB8AC3E}">
+        <p14:creationId xmlns:p14="http://schemas.microsoft.com/office/powerpoint/2010/main" val="1188578752"/>
       </p:ext>
     </p:extLst>
   </p:cSld>
